--- a/ppt/4.pptx
+++ b/ppt/4.pptx
@@ -16664,19 +16664,7 @@
           <a:p>
             <a:r>
               <a:rPr lang="zh-CN" altLang="zh-CN" dirty="0"/>
-              <a:t>深入理解</a:t>
-            </a:r>
-            <a:r>
-              <a:rPr lang="zh-CN" altLang="zh-CN" strike="sngStrike" dirty="0">
-                <a:solidFill>
-                  <a:srgbClr val="FF0000"/>
-                </a:solidFill>
-              </a:rPr>
-              <a:t>编码器与</a:t>
-            </a:r>
-            <a:r>
-              <a:rPr lang="zh-CN" altLang="zh-CN" dirty="0"/>
-              <a:t>译码器的原理；</a:t>
+              <a:t>深入理解译码器的原理；</a:t>
             </a:r>
             <a:endParaRPr lang="zh-CN" altLang="zh-CN" dirty="0"/>
           </a:p>
@@ -16692,22 +16680,6 @@
             <a:r>
               <a:rPr lang="zh-CN" altLang="zh-CN" dirty="0"/>
               <a:t>实现</a:t>
-            </a:r>
-            <a:r>
-              <a:rPr lang="x-none" altLang="zh-CN" strike="sngStrike" dirty="0">
-                <a:solidFill>
-                  <a:srgbClr val="FF0000"/>
-                </a:solidFill>
-              </a:rPr>
-              <a:t>74LS148</a:t>
-            </a:r>
-            <a:r>
-              <a:rPr lang="zh-CN" altLang="zh-CN" strike="sngStrike" dirty="0">
-                <a:solidFill>
-                  <a:srgbClr val="FF0000"/>
-                </a:solidFill>
-              </a:rPr>
-              <a:t>和</a:t>
             </a:r>
             <a:r>
               <a:rPr lang="x-none" altLang="zh-CN" dirty="0"/>
